--- a/figures/figures.pptx
+++ b/figures/figures.pptx
@@ -290,7 +290,7 @@
           <a:p>
             <a:fld id="{C8D49921-9735-2E45-AFFF-0394C8933267}" type="datetimeFigureOut">
               <a:rPr lang="en-US" smtClean="0"/>
-              <a:t>6/11/15</a:t>
+              <a:t>6/12/15</a:t>
             </a:fld>
             <a:endParaRPr lang="en-US"/>
           </a:p>
@@ -460,7 +460,7 @@
           <a:p>
             <a:fld id="{C8D49921-9735-2E45-AFFF-0394C8933267}" type="datetimeFigureOut">
               <a:rPr lang="en-US" smtClean="0"/>
-              <a:t>6/11/15</a:t>
+              <a:t>6/12/15</a:t>
             </a:fld>
             <a:endParaRPr lang="en-US"/>
           </a:p>
@@ -640,7 +640,7 @@
           <a:p>
             <a:fld id="{C8D49921-9735-2E45-AFFF-0394C8933267}" type="datetimeFigureOut">
               <a:rPr lang="en-US" smtClean="0"/>
-              <a:t>6/11/15</a:t>
+              <a:t>6/12/15</a:t>
             </a:fld>
             <a:endParaRPr lang="en-US"/>
           </a:p>
@@ -810,7 +810,7 @@
           <a:p>
             <a:fld id="{C8D49921-9735-2E45-AFFF-0394C8933267}" type="datetimeFigureOut">
               <a:rPr lang="en-US" smtClean="0"/>
-              <a:t>6/11/15</a:t>
+              <a:t>6/12/15</a:t>
             </a:fld>
             <a:endParaRPr lang="en-US"/>
           </a:p>
@@ -1056,7 +1056,7 @@
           <a:p>
             <a:fld id="{C8D49921-9735-2E45-AFFF-0394C8933267}" type="datetimeFigureOut">
               <a:rPr lang="en-US" smtClean="0"/>
-              <a:t>6/11/15</a:t>
+              <a:t>6/12/15</a:t>
             </a:fld>
             <a:endParaRPr lang="en-US"/>
           </a:p>
@@ -1344,7 +1344,7 @@
           <a:p>
             <a:fld id="{C8D49921-9735-2E45-AFFF-0394C8933267}" type="datetimeFigureOut">
               <a:rPr lang="en-US" smtClean="0"/>
-              <a:t>6/11/15</a:t>
+              <a:t>6/12/15</a:t>
             </a:fld>
             <a:endParaRPr lang="en-US"/>
           </a:p>
@@ -1766,7 +1766,7 @@
           <a:p>
             <a:fld id="{C8D49921-9735-2E45-AFFF-0394C8933267}" type="datetimeFigureOut">
               <a:rPr lang="en-US" smtClean="0"/>
-              <a:t>6/11/15</a:t>
+              <a:t>6/12/15</a:t>
             </a:fld>
             <a:endParaRPr lang="en-US"/>
           </a:p>
@@ -1884,7 +1884,7 @@
           <a:p>
             <a:fld id="{C8D49921-9735-2E45-AFFF-0394C8933267}" type="datetimeFigureOut">
               <a:rPr lang="en-US" smtClean="0"/>
-              <a:t>6/11/15</a:t>
+              <a:t>6/12/15</a:t>
             </a:fld>
             <a:endParaRPr lang="en-US"/>
           </a:p>
@@ -1979,7 +1979,7 @@
           <a:p>
             <a:fld id="{C8D49921-9735-2E45-AFFF-0394C8933267}" type="datetimeFigureOut">
               <a:rPr lang="en-US" smtClean="0"/>
-              <a:t>6/11/15</a:t>
+              <a:t>6/12/15</a:t>
             </a:fld>
             <a:endParaRPr lang="en-US"/>
           </a:p>
@@ -2256,7 +2256,7 @@
           <a:p>
             <a:fld id="{C8D49921-9735-2E45-AFFF-0394C8933267}" type="datetimeFigureOut">
               <a:rPr lang="en-US" smtClean="0"/>
-              <a:t>6/11/15</a:t>
+              <a:t>6/12/15</a:t>
             </a:fld>
             <a:endParaRPr lang="en-US"/>
           </a:p>
@@ -2509,7 +2509,7 @@
           <a:p>
             <a:fld id="{C8D49921-9735-2E45-AFFF-0394C8933267}" type="datetimeFigureOut">
               <a:rPr lang="en-US" smtClean="0"/>
-              <a:t>6/11/15</a:t>
+              <a:t>6/12/15</a:t>
             </a:fld>
             <a:endParaRPr lang="en-US"/>
           </a:p>
@@ -2722,7 +2722,7 @@
           <a:p>
             <a:fld id="{C8D49921-9735-2E45-AFFF-0394C8933267}" type="datetimeFigureOut">
               <a:rPr lang="en-US" smtClean="0"/>
-              <a:t>6/11/15</a:t>
+              <a:t>6/12/15</a:t>
             </a:fld>
             <a:endParaRPr lang="en-US"/>
           </a:p>
@@ -3119,7 +3119,7 @@
         </p:blipFill>
         <p:spPr>
           <a:xfrm>
-            <a:off x="850606" y="3569932"/>
+            <a:off x="850606" y="3223838"/>
             <a:ext cx="3513236" cy="2770748"/>
           </a:xfrm>
           <a:prstGeom prst="rect">
@@ -3173,7 +3173,7 @@
         </p:blipFill>
         <p:spPr>
           <a:xfrm>
-            <a:off x="4849158" y="3569932"/>
+            <a:off x="4847992" y="3223838"/>
             <a:ext cx="3641699" cy="2424654"/>
           </a:xfrm>
           <a:prstGeom prst="rect">
@@ -3271,7 +3271,7 @@
         </p:nvSpPr>
         <p:spPr>
           <a:xfrm>
-            <a:off x="438038" y="3534248"/>
+            <a:off x="472753" y="3223838"/>
             <a:ext cx="377853" cy="646331"/>
           </a:xfrm>
           <a:prstGeom prst="rect">
@@ -3301,7 +3301,7 @@
         </p:nvSpPr>
         <p:spPr>
           <a:xfrm>
-            <a:off x="4471305" y="3569932"/>
+            <a:off x="4471305" y="3223838"/>
             <a:ext cx="432405" cy="646331"/>
           </a:xfrm>
           <a:prstGeom prst="rect">
@@ -3318,6 +3318,35 @@
             <a:r>
               <a:rPr lang="en-US" sz="3600" b="1" dirty="0"/>
               <a:t>d</a:t>
+            </a:r>
+          </a:p>
+        </p:txBody>
+      </p:sp>
+      <p:sp>
+        <p:nvSpPr>
+          <p:cNvPr id="2" name="TextBox 1"/>
+          <p:cNvSpPr txBox="1"/>
+          <p:nvPr/>
+        </p:nvSpPr>
+        <p:spPr>
+          <a:xfrm>
+            <a:off x="185482" y="5994586"/>
+            <a:ext cx="8797154" cy="738664"/>
+          </a:xfrm>
+          <a:prstGeom prst="rect">
+            <a:avLst/>
+          </a:prstGeom>
+          <a:noFill/>
+        </p:spPr>
+        <p:txBody>
+          <a:bodyPr wrap="square" rtlCol="0">
+            <a:spAutoFit/>
+          </a:bodyPr>
+          <a:lstStyle/>
+          <a:p>
+            <a:r>
+              <a:rPr lang="en-US" sz="1400" dirty="0" smtClean="0"/>
+              <a:t>Figure 1. (a) There is wide variety in the number of somatic mutations each cancer patient obtains. (b) The somatic mutation landscape does not have apparent trends. (c) BRAF mutations occur frequently; all others are relatively rare. (d) Patients with BRAF mutations have similar numbers of mutations as compared to patients without BRAF mutations.</a:t>
             </a:r>
           </a:p>
         </p:txBody>
@@ -3374,7 +3403,7 @@
         </p:blipFill>
         <p:spPr>
           <a:xfrm>
-            <a:off x="645620" y="3486361"/>
+            <a:off x="645620" y="3218609"/>
             <a:ext cx="3968785" cy="2642606"/>
           </a:xfrm>
           <a:prstGeom prst="rect">
@@ -3404,7 +3433,7 @@
         </p:blipFill>
         <p:spPr>
           <a:xfrm>
-            <a:off x="4900092" y="3486361"/>
+            <a:off x="4900092" y="3218609"/>
             <a:ext cx="3784287" cy="2643149"/>
           </a:xfrm>
           <a:prstGeom prst="rect">
@@ -3434,7 +3463,7 @@
         </p:blipFill>
         <p:spPr>
           <a:xfrm>
-            <a:off x="2078502" y="292656"/>
+            <a:off x="2078502" y="182757"/>
             <a:ext cx="4332301" cy="3035852"/>
           </a:xfrm>
           <a:prstGeom prst="rect">
@@ -3450,7 +3479,7 @@
         </p:nvSpPr>
         <p:spPr>
           <a:xfrm>
-            <a:off x="1664299" y="292656"/>
+            <a:off x="1665934" y="182757"/>
             <a:ext cx="412568" cy="646331"/>
           </a:xfrm>
           <a:prstGeom prst="rect">
@@ -3479,7 +3508,7 @@
         </p:nvSpPr>
         <p:spPr>
           <a:xfrm>
-            <a:off x="4614405" y="3451814"/>
+            <a:off x="4614405" y="3226071"/>
             <a:ext cx="377853" cy="646331"/>
           </a:xfrm>
           <a:prstGeom prst="rect">
@@ -3509,7 +3538,7 @@
         </p:nvSpPr>
         <p:spPr>
           <a:xfrm>
-            <a:off x="213215" y="3486361"/>
+            <a:off x="213215" y="3218609"/>
             <a:ext cx="432405" cy="646331"/>
           </a:xfrm>
           <a:prstGeom prst="rect">
@@ -3526,6 +3555,35 @@
             <a:r>
               <a:rPr lang="en-US" sz="3600" b="1" dirty="0"/>
               <a:t>b</a:t>
+            </a:r>
+          </a:p>
+        </p:txBody>
+      </p:sp>
+      <p:sp>
+        <p:nvSpPr>
+          <p:cNvPr id="8" name="TextBox 7"/>
+          <p:cNvSpPr txBox="1"/>
+          <p:nvPr/>
+        </p:nvSpPr>
+        <p:spPr>
+          <a:xfrm>
+            <a:off x="185482" y="5994586"/>
+            <a:ext cx="8797154" cy="738664"/>
+          </a:xfrm>
+          <a:prstGeom prst="rect">
+            <a:avLst/>
+          </a:prstGeom>
+          <a:noFill/>
+        </p:spPr>
+        <p:txBody>
+          <a:bodyPr wrap="square" rtlCol="0">
+            <a:spAutoFit/>
+          </a:bodyPr>
+          <a:lstStyle/>
+          <a:p>
+            <a:r>
+              <a:rPr lang="en-US" sz="1400" dirty="0" smtClean="0"/>
+              <a:t>Figure 2. (a) The genes in Human Net have widely varying numbers of connections to other genes. (b) The density scores for driver mutations tend to be much higher than passenger mutations. (c) Driver mutations tend to have more connections; once density is normalized by number of edges, the separation disappears.</a:t>
             </a:r>
           </a:p>
         </p:txBody>
@@ -3582,7 +3640,7 @@
         </p:blipFill>
         <p:spPr>
           <a:xfrm>
-            <a:off x="1594260" y="3082591"/>
+            <a:off x="1594260" y="2618573"/>
             <a:ext cx="5118100" cy="3441700"/>
           </a:xfrm>
           <a:prstGeom prst="rect">
@@ -3592,7 +3650,7 @@
       </p:pic>
       <p:pic>
         <p:nvPicPr>
-          <p:cNvPr id="7" name="Picture 6" descr="PCA - without BRAF.png"/>
+          <p:cNvPr id="8" name="Picture 7" descr="PCA - with BRAF.png"/>
           <p:cNvPicPr>
             <a:picLocks noChangeAspect="1"/>
           </p:cNvPicPr>
@@ -3612,132 +3670,155 @@
         </p:blipFill>
         <p:spPr>
           <a:xfrm>
-            <a:off x="627244" y="264882"/>
-            <a:ext cx="3526066" cy="2442535"/>
+            <a:off x="755765" y="51243"/>
+            <a:ext cx="3553613" cy="2442535"/>
           </a:xfrm>
           <a:prstGeom prst="rect">
             <a:avLst/>
           </a:prstGeom>
         </p:spPr>
       </p:pic>
+      <p:sp>
+        <p:nvSpPr>
+          <p:cNvPr id="9" name="TextBox 8"/>
+          <p:cNvSpPr txBox="1"/>
+          <p:nvPr/>
+        </p:nvSpPr>
+        <p:spPr>
+          <a:xfrm>
+            <a:off x="343197" y="51243"/>
+            <a:ext cx="412568" cy="646331"/>
+          </a:xfrm>
+          <a:prstGeom prst="rect">
+            <a:avLst/>
+          </a:prstGeom>
+          <a:noFill/>
+        </p:spPr>
+        <p:txBody>
+          <a:bodyPr wrap="none" rtlCol="0">
+            <a:spAutoFit/>
+          </a:bodyPr>
+          <a:lstStyle/>
+          <a:p>
+            <a:r>
+              <a:rPr lang="en-US" sz="3600" b="1" dirty="0"/>
+              <a:t>a</a:t>
+            </a:r>
+          </a:p>
+        </p:txBody>
+      </p:sp>
+      <p:sp>
+        <p:nvSpPr>
+          <p:cNvPr id="10" name="TextBox 9"/>
+          <p:cNvSpPr txBox="1"/>
+          <p:nvPr/>
+        </p:nvSpPr>
+        <p:spPr>
+          <a:xfrm>
+            <a:off x="4182000" y="82892"/>
+            <a:ext cx="432405" cy="646331"/>
+          </a:xfrm>
+          <a:prstGeom prst="rect">
+            <a:avLst/>
+          </a:prstGeom>
+          <a:noFill/>
+        </p:spPr>
+        <p:txBody>
+          <a:bodyPr wrap="none" rtlCol="0">
+            <a:spAutoFit/>
+          </a:bodyPr>
+          <a:lstStyle/>
+          <a:p>
+            <a:r>
+              <a:rPr lang="en-US" sz="3600" b="1" dirty="0"/>
+              <a:t>b</a:t>
+            </a:r>
+          </a:p>
+        </p:txBody>
+      </p:sp>
+      <p:sp>
+        <p:nvSpPr>
+          <p:cNvPr id="11" name="TextBox 10"/>
+          <p:cNvSpPr txBox="1"/>
+          <p:nvPr/>
+        </p:nvSpPr>
+        <p:spPr>
+          <a:xfrm>
+            <a:off x="1405333" y="2618573"/>
+            <a:ext cx="377853" cy="646331"/>
+          </a:xfrm>
+          <a:prstGeom prst="rect">
+            <a:avLst/>
+          </a:prstGeom>
+          <a:noFill/>
+        </p:spPr>
+        <p:txBody>
+          <a:bodyPr wrap="none" rtlCol="0">
+            <a:spAutoFit/>
+          </a:bodyPr>
+          <a:lstStyle/>
+          <a:p>
+            <a:r>
+              <a:rPr lang="en-US" sz="3600" b="1" dirty="0" smtClean="0"/>
+              <a:t>c</a:t>
+            </a:r>
+            <a:endParaRPr lang="en-US" sz="3600" b="1" dirty="0"/>
+          </a:p>
+        </p:txBody>
+      </p:sp>
+      <p:sp>
+        <p:nvSpPr>
+          <p:cNvPr id="12" name="TextBox 11"/>
+          <p:cNvSpPr txBox="1"/>
+          <p:nvPr/>
+        </p:nvSpPr>
+        <p:spPr>
+          <a:xfrm>
+            <a:off x="185482" y="5994586"/>
+            <a:ext cx="8797154" cy="738664"/>
+          </a:xfrm>
+          <a:prstGeom prst="rect">
+            <a:avLst/>
+          </a:prstGeom>
+          <a:noFill/>
+        </p:spPr>
+        <p:txBody>
+          <a:bodyPr wrap="square" rtlCol="0">
+            <a:spAutoFit/>
+          </a:bodyPr>
+          <a:lstStyle/>
+          <a:p>
+            <a:r>
+              <a:rPr lang="en-US" sz="1400" dirty="0" smtClean="0"/>
+              <a:t>Figure 3. (a) Principle Component Analysis on the Training and Validation data sets. (b) BRAF is a significant outlier; once removed from the analysis, the principle component graph changes. (c) While they do not represent the principle components, the density score and percent bi-allelic score successfully separate the driver and passenger mutations.</a:t>
+            </a:r>
+          </a:p>
+        </p:txBody>
+      </p:sp>
       <p:pic>
         <p:nvPicPr>
-          <p:cNvPr id="8" name="Picture 7" descr="PCA - with BRAF.png"/>
+          <p:cNvPr id="2" name="Picture 1"/>
           <p:cNvPicPr>
             <a:picLocks noChangeAspect="1"/>
           </p:cNvPicPr>
           <p:nvPr/>
         </p:nvPicPr>
         <p:blipFill>
-          <a:blip r:embed="rId4">
-            <a:extLst>
-              <a:ext uri="{28A0092B-C50C-407E-A947-70E740481C1C}">
-                <a14:useLocalDpi xmlns:a14="http://schemas.microsoft.com/office/drawing/2010/main" val="0"/>
-              </a:ext>
-            </a:extLst>
-          </a:blip>
+          <a:blip r:embed="rId4"/>
           <a:stretch>
             <a:fillRect/>
           </a:stretch>
         </p:blipFill>
         <p:spPr>
           <a:xfrm>
-            <a:off x="4596637" y="264882"/>
-            <a:ext cx="3553613" cy="2442535"/>
+            <a:off x="4614405" y="82893"/>
+            <a:ext cx="3480377" cy="2410886"/>
           </a:xfrm>
           <a:prstGeom prst="rect">
             <a:avLst/>
           </a:prstGeom>
         </p:spPr>
       </p:pic>
-      <p:sp>
-        <p:nvSpPr>
-          <p:cNvPr id="9" name="TextBox 8"/>
-          <p:cNvSpPr txBox="1"/>
-          <p:nvPr/>
-        </p:nvSpPr>
-        <p:spPr>
-          <a:xfrm>
-            <a:off x="326571" y="264882"/>
-            <a:ext cx="412568" cy="646331"/>
-          </a:xfrm>
-          <a:prstGeom prst="rect">
-            <a:avLst/>
-          </a:prstGeom>
-          <a:noFill/>
-        </p:spPr>
-        <p:txBody>
-          <a:bodyPr wrap="none" rtlCol="0">
-            <a:spAutoFit/>
-          </a:bodyPr>
-          <a:lstStyle/>
-          <a:p>
-            <a:r>
-              <a:rPr lang="en-US" sz="3600" b="1" dirty="0"/>
-              <a:t>a</a:t>
-            </a:r>
-          </a:p>
-        </p:txBody>
-      </p:sp>
-      <p:sp>
-        <p:nvSpPr>
-          <p:cNvPr id="10" name="TextBox 9"/>
-          <p:cNvSpPr txBox="1"/>
-          <p:nvPr/>
-        </p:nvSpPr>
-        <p:spPr>
-          <a:xfrm>
-            <a:off x="4182000" y="374409"/>
-            <a:ext cx="432405" cy="646331"/>
-          </a:xfrm>
-          <a:prstGeom prst="rect">
-            <a:avLst/>
-          </a:prstGeom>
-          <a:noFill/>
-        </p:spPr>
-        <p:txBody>
-          <a:bodyPr wrap="none" rtlCol="0">
-            <a:spAutoFit/>
-          </a:bodyPr>
-          <a:lstStyle/>
-          <a:p>
-            <a:r>
-              <a:rPr lang="en-US" sz="3600" b="1" dirty="0"/>
-              <a:t>b</a:t>
-            </a:r>
-          </a:p>
-        </p:txBody>
-      </p:sp>
-      <p:sp>
-        <p:nvSpPr>
-          <p:cNvPr id="11" name="TextBox 10"/>
-          <p:cNvSpPr txBox="1"/>
-          <p:nvPr/>
-        </p:nvSpPr>
-        <p:spPr>
-          <a:xfrm>
-            <a:off x="1405333" y="3082591"/>
-            <a:ext cx="377853" cy="646331"/>
-          </a:xfrm>
-          <a:prstGeom prst="rect">
-            <a:avLst/>
-          </a:prstGeom>
-          <a:noFill/>
-        </p:spPr>
-        <p:txBody>
-          <a:bodyPr wrap="none" rtlCol="0">
-            <a:spAutoFit/>
-          </a:bodyPr>
-          <a:lstStyle/>
-          <a:p>
-            <a:r>
-              <a:rPr lang="en-US" sz="3600" b="1" dirty="0" smtClean="0"/>
-              <a:t>c</a:t>
-            </a:r>
-            <a:endParaRPr lang="en-US" sz="3600" b="1" dirty="0"/>
-          </a:p>
-        </p:txBody>
-      </p:sp>
     </p:spTree>
     <p:extLst>
       <p:ext uri="{BB962C8B-B14F-4D97-AF65-F5344CB8AC3E}">
